--- a/19 - Stand Up and Praise the Lord.pptx
+++ b/19 - Stand Up and Praise the Lord.pptx
@@ -242,7 +242,7 @@
           <a:p>
             <a:fld id="{32F7251A-AE54-443C-B8FE-5F636E835EBF}" type="datetimeFigureOut">
               <a:rPr lang="en-US" smtClean="0"/>
-              <a:t>7/22/2018</a:t>
+              <a:t>8/2/2020</a:t>
             </a:fld>
             <a:endParaRPr lang="en-US"/>
           </a:p>
@@ -410,7 +410,7 @@
           <a:p>
             <a:fld id="{32F7251A-AE54-443C-B8FE-5F636E835EBF}" type="datetimeFigureOut">
               <a:rPr lang="en-US" smtClean="0"/>
-              <a:t>7/22/2018</a:t>
+              <a:t>8/2/2020</a:t>
             </a:fld>
             <a:endParaRPr lang="en-US"/>
           </a:p>
@@ -588,7 +588,7 @@
           <a:p>
             <a:fld id="{32F7251A-AE54-443C-B8FE-5F636E835EBF}" type="datetimeFigureOut">
               <a:rPr lang="en-US" smtClean="0"/>
-              <a:t>7/22/2018</a:t>
+              <a:t>8/2/2020</a:t>
             </a:fld>
             <a:endParaRPr lang="en-US"/>
           </a:p>
@@ -756,7 +756,7 @@
           <a:p>
             <a:fld id="{32F7251A-AE54-443C-B8FE-5F636E835EBF}" type="datetimeFigureOut">
               <a:rPr lang="en-US" smtClean="0"/>
-              <a:t>7/22/2018</a:t>
+              <a:t>8/2/2020</a:t>
             </a:fld>
             <a:endParaRPr lang="en-US"/>
           </a:p>
@@ -1001,7 +1001,7 @@
           <a:p>
             <a:fld id="{32F7251A-AE54-443C-B8FE-5F636E835EBF}" type="datetimeFigureOut">
               <a:rPr lang="en-US" smtClean="0"/>
-              <a:t>7/22/2018</a:t>
+              <a:t>8/2/2020</a:t>
             </a:fld>
             <a:endParaRPr lang="en-US"/>
           </a:p>
@@ -1230,7 +1230,7 @@
           <a:p>
             <a:fld id="{32F7251A-AE54-443C-B8FE-5F636E835EBF}" type="datetimeFigureOut">
               <a:rPr lang="en-US" smtClean="0"/>
-              <a:t>7/22/2018</a:t>
+              <a:t>8/2/2020</a:t>
             </a:fld>
             <a:endParaRPr lang="en-US"/>
           </a:p>
@@ -1594,7 +1594,7 @@
           <a:p>
             <a:fld id="{32F7251A-AE54-443C-B8FE-5F636E835EBF}" type="datetimeFigureOut">
               <a:rPr lang="en-US" smtClean="0"/>
-              <a:t>7/22/2018</a:t>
+              <a:t>8/2/2020</a:t>
             </a:fld>
             <a:endParaRPr lang="en-US"/>
           </a:p>
@@ -1711,7 +1711,7 @@
           <a:p>
             <a:fld id="{32F7251A-AE54-443C-B8FE-5F636E835EBF}" type="datetimeFigureOut">
               <a:rPr lang="en-US" smtClean="0"/>
-              <a:t>7/22/2018</a:t>
+              <a:t>8/2/2020</a:t>
             </a:fld>
             <a:endParaRPr lang="en-US"/>
           </a:p>
@@ -1806,7 +1806,7 @@
           <a:p>
             <a:fld id="{32F7251A-AE54-443C-B8FE-5F636E835EBF}" type="datetimeFigureOut">
               <a:rPr lang="en-US" smtClean="0"/>
-              <a:t>7/22/2018</a:t>
+              <a:t>8/2/2020</a:t>
             </a:fld>
             <a:endParaRPr lang="en-US"/>
           </a:p>
@@ -2081,7 +2081,7 @@
           <a:p>
             <a:fld id="{32F7251A-AE54-443C-B8FE-5F636E835EBF}" type="datetimeFigureOut">
               <a:rPr lang="en-US" smtClean="0"/>
-              <a:t>7/22/2018</a:t>
+              <a:t>8/2/2020</a:t>
             </a:fld>
             <a:endParaRPr lang="en-US"/>
           </a:p>
@@ -2333,7 +2333,7 @@
           <a:p>
             <a:fld id="{32F7251A-AE54-443C-B8FE-5F636E835EBF}" type="datetimeFigureOut">
               <a:rPr lang="en-US" smtClean="0"/>
-              <a:t>7/22/2018</a:t>
+              <a:t>8/2/2020</a:t>
             </a:fld>
             <a:endParaRPr lang="en-US"/>
           </a:p>
@@ -2400,7 +2400,9 @@
     <p:bg>
       <p:bgPr>
         <a:solidFill>
-          <a:srgbClr val="333333"/>
+          <a:schemeClr val="bg1">
+            <a:lumMod val="10000"/>
+          </a:schemeClr>
         </a:solidFill>
         <a:effectLst/>
       </p:bgPr>
@@ -2547,7 +2549,7 @@
           <a:p>
             <a:fld id="{32F7251A-AE54-443C-B8FE-5F636E835EBF}" type="datetimeFigureOut">
               <a:rPr lang="en-US" smtClean="0"/>
-              <a:t>7/22/2018</a:t>
+              <a:t>8/2/2020</a:t>
             </a:fld>
             <a:endParaRPr lang="en-US"/>
           </a:p>
@@ -3017,8 +3019,8 @@
         </p:nvSpPr>
         <p:spPr>
           <a:xfrm>
-            <a:off x="0" y="5804209"/>
-            <a:ext cx="12192000" cy="830997"/>
+            <a:off x="0" y="5927320"/>
+            <a:ext cx="12192000" cy="584775"/>
           </a:xfrm>
           <a:prstGeom prst="rect">
             <a:avLst/>
@@ -3033,10 +3035,12 @@
           <a:p>
             <a:pPr algn="ctr"/>
             <a:r>
-              <a:rPr lang="en-US" sz="4800" dirty="0">
+              <a:rPr lang="en-US" sz="3200" u="sng" dirty="0">
                 <a:solidFill>
                   <a:schemeClr val="bg1"/>
                 </a:solidFill>
+                <a:latin typeface="Assistant SemiBold" panose="00000700000000000000" pitchFamily="2" charset="-79"/>
+                <a:cs typeface="Assistant SemiBold" panose="00000700000000000000" pitchFamily="2" charset="-79"/>
               </a:rPr>
               <a:t>“Stand Up and Bless the Lord”</a:t>
             </a:r>
@@ -3051,8 +3055,8 @@
         </p:nvSpPr>
         <p:spPr>
           <a:xfrm>
-            <a:off x="0" y="302461"/>
-            <a:ext cx="12192000" cy="5078313"/>
+            <a:off x="0" y="858273"/>
+            <a:ext cx="12192000" cy="3970318"/>
           </a:xfrm>
           <a:prstGeom prst="rect">
             <a:avLst/>
@@ -3067,10 +3071,12 @@
           <a:p>
             <a:pPr algn="ctr"/>
             <a:r>
-              <a:rPr lang="en-US" sz="3600" dirty="0">
+              <a:rPr lang="en-US" sz="2800" spc="50" dirty="0">
                 <a:solidFill>
                   <a:schemeClr val="bg1"/>
                 </a:solidFill>
+                <a:latin typeface="Assistant" panose="00000500000000000000" pitchFamily="2" charset="-79"/>
+                <a:cs typeface="Assistant" panose="00000500000000000000" pitchFamily="2" charset="-79"/>
               </a:rPr>
               <a:t>Stand up and bless the Lord,</a:t>
             </a:r>
@@ -3078,10 +3084,12 @@
           <a:p>
             <a:pPr algn="ctr"/>
             <a:r>
-              <a:rPr lang="en-US" sz="3600" dirty="0">
+              <a:rPr lang="en-US" sz="2800" spc="50" dirty="0">
                 <a:solidFill>
                   <a:schemeClr val="bg1"/>
                 </a:solidFill>
+                <a:latin typeface="Assistant" panose="00000500000000000000" pitchFamily="2" charset="-79"/>
+                <a:cs typeface="Assistant" panose="00000500000000000000" pitchFamily="2" charset="-79"/>
               </a:rPr>
               <a:t>Ye people of His choice;</a:t>
             </a:r>
@@ -3089,10 +3097,12 @@
           <a:p>
             <a:pPr algn="ctr"/>
             <a:r>
-              <a:rPr lang="en-US" sz="3600" dirty="0">
+              <a:rPr lang="en-US" sz="2800" spc="50" dirty="0">
                 <a:solidFill>
                   <a:schemeClr val="bg1"/>
                 </a:solidFill>
+                <a:latin typeface="Assistant" panose="00000500000000000000" pitchFamily="2" charset="-79"/>
+                <a:cs typeface="Assistant" panose="00000500000000000000" pitchFamily="2" charset="-79"/>
               </a:rPr>
               <a:t>Stand up and bless the Lord, Your God,</a:t>
             </a:r>
@@ -3100,29 +3110,35 @@
           <a:p>
             <a:pPr algn="ctr"/>
             <a:r>
-              <a:rPr lang="en-US" sz="3600" dirty="0">
+              <a:rPr lang="en-US" sz="2800" spc="50" dirty="0">
                 <a:solidFill>
                   <a:schemeClr val="bg1"/>
                 </a:solidFill>
+                <a:latin typeface="Assistant" panose="00000500000000000000" pitchFamily="2" charset="-79"/>
+                <a:cs typeface="Assistant" panose="00000500000000000000" pitchFamily="2" charset="-79"/>
               </a:rPr>
               <a:t>With heart and soul and voice.</a:t>
             </a:r>
           </a:p>
           <a:p>
             <a:pPr algn="ctr"/>
-            <a:endParaRPr lang="en-US" sz="3600" dirty="0">
+            <a:endParaRPr lang="en-US" sz="2800" spc="50" dirty="0">
               <a:solidFill>
                 <a:schemeClr val="bg1"/>
               </a:solidFill>
+              <a:latin typeface="Assistant" panose="00000500000000000000" pitchFamily="2" charset="-79"/>
+              <a:cs typeface="Assistant" panose="00000500000000000000" pitchFamily="2" charset="-79"/>
             </a:endParaRPr>
           </a:p>
           <a:p>
             <a:pPr algn="ctr"/>
             <a:r>
-              <a:rPr lang="en-US" sz="3600" dirty="0">
+              <a:rPr lang="en-US" sz="2800" spc="50" dirty="0">
                 <a:solidFill>
                   <a:schemeClr val="bg1"/>
                 </a:solidFill>
+                <a:latin typeface="Assistant" panose="00000500000000000000" pitchFamily="2" charset="-79"/>
+                <a:cs typeface="Assistant" panose="00000500000000000000" pitchFamily="2" charset="-79"/>
               </a:rPr>
               <a:t>Oh, for the living flame</a:t>
             </a:r>
@@ -3130,10 +3146,12 @@
           <a:p>
             <a:pPr algn="ctr"/>
             <a:r>
-              <a:rPr lang="en-US" sz="3600" dirty="0">
+              <a:rPr lang="en-US" sz="2800" spc="50" dirty="0">
                 <a:solidFill>
                   <a:schemeClr val="bg1"/>
                 </a:solidFill>
+                <a:latin typeface="Assistant" panose="00000500000000000000" pitchFamily="2" charset="-79"/>
+                <a:cs typeface="Assistant" panose="00000500000000000000" pitchFamily="2" charset="-79"/>
               </a:rPr>
               <a:t>From His own altar brought,</a:t>
             </a:r>
@@ -3141,10 +3159,12 @@
           <a:p>
             <a:pPr algn="ctr"/>
             <a:r>
-              <a:rPr lang="en-US" sz="3600" dirty="0">
+              <a:rPr lang="en-US" sz="2800" spc="50" dirty="0">
                 <a:solidFill>
                   <a:schemeClr val="bg1"/>
                 </a:solidFill>
+                <a:latin typeface="Assistant" panose="00000500000000000000" pitchFamily="2" charset="-79"/>
+                <a:cs typeface="Assistant" panose="00000500000000000000" pitchFamily="2" charset="-79"/>
               </a:rPr>
               <a:t>To touch our lips, our minds inspire,</a:t>
             </a:r>
@@ -3152,10 +3172,12 @@
           <a:p>
             <a:pPr algn="ctr"/>
             <a:r>
-              <a:rPr lang="en-US" sz="3600" dirty="0">
+              <a:rPr lang="en-US" sz="2800" spc="50" dirty="0">
                 <a:solidFill>
                   <a:schemeClr val="bg1"/>
                 </a:solidFill>
+                <a:latin typeface="Assistant" panose="00000500000000000000" pitchFamily="2" charset="-79"/>
+                <a:cs typeface="Assistant" panose="00000500000000000000" pitchFamily="2" charset="-79"/>
               </a:rPr>
               <a:t>And wing to heaven our thought!</a:t>
             </a:r>
@@ -3257,8 +3279,8 @@
         </p:nvSpPr>
         <p:spPr>
           <a:xfrm>
-            <a:off x="0" y="5804209"/>
-            <a:ext cx="12192000" cy="830997"/>
+            <a:off x="0" y="5927320"/>
+            <a:ext cx="12192000" cy="584775"/>
           </a:xfrm>
           <a:prstGeom prst="rect">
             <a:avLst/>
@@ -3273,10 +3295,12 @@
           <a:p>
             <a:pPr algn="ctr"/>
             <a:r>
-              <a:rPr lang="en-US" sz="4800" dirty="0">
+              <a:rPr lang="en-US" sz="3200" u="sng" dirty="0">
                 <a:solidFill>
                   <a:schemeClr val="bg1"/>
                 </a:solidFill>
+                <a:latin typeface="Assistant SemiBold" panose="00000700000000000000" pitchFamily="2" charset="-79"/>
+                <a:cs typeface="Assistant SemiBold" panose="00000700000000000000" pitchFamily="2" charset="-79"/>
               </a:rPr>
               <a:t>“Stand Up and Bless the Lord”</a:t>
             </a:r>
@@ -3291,8 +3315,8 @@
         </p:nvSpPr>
         <p:spPr>
           <a:xfrm>
-            <a:off x="0" y="302461"/>
-            <a:ext cx="12192000" cy="5078313"/>
+            <a:off x="0" y="947920"/>
+            <a:ext cx="12192000" cy="3970318"/>
           </a:xfrm>
           <a:prstGeom prst="rect">
             <a:avLst/>
@@ -3307,10 +3331,12 @@
           <a:p>
             <a:pPr algn="ctr"/>
             <a:r>
-              <a:rPr lang="en-US" sz="3600" dirty="0">
+              <a:rPr lang="en-US" sz="2800" spc="50" dirty="0">
                 <a:solidFill>
                   <a:schemeClr val="bg1"/>
                 </a:solidFill>
+                <a:latin typeface="Assistant" panose="00000500000000000000" pitchFamily="2" charset="-79"/>
+                <a:cs typeface="Assistant" panose="00000500000000000000" pitchFamily="2" charset="-79"/>
               </a:rPr>
               <a:t>God is our strength and song,</a:t>
             </a:r>
@@ -3318,100 +3344,100 @@
           <a:p>
             <a:pPr algn="ctr"/>
             <a:r>
-              <a:rPr lang="en-US" sz="3600" dirty="0">
+              <a:rPr lang="en-US" sz="2800" spc="50" dirty="0">
                 <a:solidFill>
                   <a:schemeClr val="bg1"/>
                 </a:solidFill>
+                <a:latin typeface="Assistant" panose="00000500000000000000" pitchFamily="2" charset="-79"/>
+                <a:cs typeface="Assistant" panose="00000500000000000000" pitchFamily="2" charset="-79"/>
               </a:rPr>
-              <a:t>And His </a:t>
-            </a:r>
-            <a:r>
-              <a:rPr lang="en-US" sz="3600">
+              <a:t>And His salvation’s ours;</a:t>
+            </a:r>
+          </a:p>
+          <a:p>
+            <a:pPr algn="ctr"/>
+            <a:r>
+              <a:rPr lang="en-US" sz="2800" spc="50" dirty="0">
                 <a:solidFill>
                   <a:schemeClr val="bg1"/>
                 </a:solidFill>
+                <a:latin typeface="Assistant" panose="00000500000000000000" pitchFamily="2" charset="-79"/>
+                <a:cs typeface="Assistant" panose="00000500000000000000" pitchFamily="2" charset="-79"/>
               </a:rPr>
-              <a:t>salvation’s ours</a:t>
-            </a:r>
-            <a:r>
-              <a:rPr lang="en-US" sz="3600" dirty="0">
+              <a:t>Then be His love in Christ proclaimed,</a:t>
+            </a:r>
+          </a:p>
+          <a:p>
+            <a:pPr algn="ctr"/>
+            <a:r>
+              <a:rPr lang="en-US" sz="2800" spc="50" dirty="0">
                 <a:solidFill>
                   <a:schemeClr val="bg1"/>
                 </a:solidFill>
+                <a:latin typeface="Assistant" panose="00000500000000000000" pitchFamily="2" charset="-79"/>
+                <a:cs typeface="Assistant" panose="00000500000000000000" pitchFamily="2" charset="-79"/>
               </a:rPr>
-              <a:t>;</a:t>
+              <a:t>With all our ransomed powers.</a:t>
             </a:r>
           </a:p>
           <a:p>
             <a:pPr algn="ctr"/>
-            <a:r>
-              <a:rPr lang="en-US" sz="3600" dirty="0">
+            <a:endParaRPr lang="en-US" sz="2800" spc="50" dirty="0">
+              <a:solidFill>
+                <a:schemeClr val="bg1"/>
+              </a:solidFill>
+              <a:latin typeface="Assistant" panose="00000500000000000000" pitchFamily="2" charset="-79"/>
+              <a:cs typeface="Assistant" panose="00000500000000000000" pitchFamily="2" charset="-79"/>
+            </a:endParaRPr>
+          </a:p>
+          <a:p>
+            <a:pPr algn="ctr"/>
+            <a:r>
+              <a:rPr lang="en-US" sz="2800" spc="50" dirty="0">
                 <a:solidFill>
                   <a:schemeClr val="bg1"/>
                 </a:solidFill>
+                <a:latin typeface="Assistant" panose="00000500000000000000" pitchFamily="2" charset="-79"/>
+                <a:cs typeface="Assistant" panose="00000500000000000000" pitchFamily="2" charset="-79"/>
               </a:rPr>
-              <a:t>Then be His love in Christ proclaimed,</a:t>
+              <a:t>Stand up and bless the Lord,</a:t>
             </a:r>
           </a:p>
           <a:p>
             <a:pPr algn="ctr"/>
             <a:r>
-              <a:rPr lang="en-US" sz="3600" dirty="0">
+              <a:rPr lang="en-US" sz="2800" spc="50" dirty="0">
                 <a:solidFill>
                   <a:schemeClr val="bg1"/>
                 </a:solidFill>
+                <a:latin typeface="Assistant" panose="00000500000000000000" pitchFamily="2" charset="-79"/>
+                <a:cs typeface="Assistant" panose="00000500000000000000" pitchFamily="2" charset="-79"/>
               </a:rPr>
-              <a:t>With all our ransomed powers.</a:t>
+              <a:t>The Lord your God adore;</a:t>
             </a:r>
           </a:p>
           <a:p>
             <a:pPr algn="ctr"/>
-            <a:endParaRPr lang="en-US" sz="3600" dirty="0">
-              <a:solidFill>
-                <a:schemeClr val="bg1"/>
-              </a:solidFill>
-            </a:endParaRPr>
-          </a:p>
-          <a:p>
-            <a:pPr algn="ctr"/>
-            <a:r>
-              <a:rPr lang="en-US" sz="3600" dirty="0">
+            <a:r>
+              <a:rPr lang="en-US" sz="2800" spc="50" dirty="0">
                 <a:solidFill>
                   <a:schemeClr val="bg1"/>
                 </a:solidFill>
+                <a:latin typeface="Assistant" panose="00000500000000000000" pitchFamily="2" charset="-79"/>
+                <a:cs typeface="Assistant" panose="00000500000000000000" pitchFamily="2" charset="-79"/>
               </a:rPr>
-              <a:t>Stand up and bless the Lord,</a:t>
+              <a:t>Stand up and bless His glorious name</a:t>
             </a:r>
           </a:p>
           <a:p>
             <a:pPr algn="ctr"/>
             <a:r>
-              <a:rPr lang="en-US" sz="3600" dirty="0">
+              <a:rPr lang="en-US" sz="2800" spc="50" dirty="0">
                 <a:solidFill>
                   <a:schemeClr val="bg1"/>
                 </a:solidFill>
-              </a:rPr>
-              <a:t>The Lord your God adore;</a:t>
-            </a:r>
-          </a:p>
-          <a:p>
-            <a:pPr algn="ctr"/>
-            <a:r>
-              <a:rPr lang="en-US" sz="3600" dirty="0">
-                <a:solidFill>
-                  <a:schemeClr val="bg1"/>
-                </a:solidFill>
-              </a:rPr>
-              <a:t>Stand up and bless His glorious name</a:t>
-            </a:r>
-          </a:p>
-          <a:p>
-            <a:pPr algn="ctr"/>
-            <a:r>
-              <a:rPr lang="en-US" sz="3600" dirty="0">
-                <a:solidFill>
-                  <a:schemeClr val="bg1"/>
-                </a:solidFill>
+                <a:latin typeface="Assistant" panose="00000500000000000000" pitchFamily="2" charset="-79"/>
+                <a:cs typeface="Assistant" panose="00000500000000000000" pitchFamily="2" charset="-79"/>
               </a:rPr>
               <a:t>Henceforth, forevermore.</a:t>
             </a:r>
